--- a/GuidedTopicModelBostonDH2024.pptx
+++ b/GuidedTopicModelBostonDH2024.pptx
@@ -5,7 +5,7 @@
     <p:sldMasterId id="2147483648" r:id="rId1"/>
   </p:sldMasterIdLst>
   <p:notesMasterIdLst>
-    <p:notesMasterId r:id="rId18"/>
+    <p:notesMasterId r:id="rId20"/>
   </p:notesMasterIdLst>
   <p:sldIdLst>
     <p:sldId id="256" r:id="rId2"/>
@@ -19,11 +19,13 @@
     <p:sldId id="270" r:id="rId10"/>
     <p:sldId id="262" r:id="rId11"/>
     <p:sldId id="269" r:id="rId12"/>
-    <p:sldId id="271" r:id="rId13"/>
-    <p:sldId id="264" r:id="rId14"/>
-    <p:sldId id="265" r:id="rId15"/>
-    <p:sldId id="268" r:id="rId16"/>
-    <p:sldId id="272" r:id="rId17"/>
+    <p:sldId id="273" r:id="rId13"/>
+    <p:sldId id="271" r:id="rId14"/>
+    <p:sldId id="274" r:id="rId15"/>
+    <p:sldId id="264" r:id="rId16"/>
+    <p:sldId id="265" r:id="rId17"/>
+    <p:sldId id="268" r:id="rId18"/>
+    <p:sldId id="272" r:id="rId19"/>
   </p:sldIdLst>
   <p:sldSz cx="12192000" cy="6858000"/>
   <p:notesSz cx="6858000" cy="9144000"/>
@@ -1098,6 +1100,90 @@
             <a:fld id="{949C5CD1-352E-5448-952B-22D3FAA41805}" type="slidenum">
               <a:rPr lang="en-US" smtClean="0"/>
               <a:t>13</a:t>
+            </a:fld>
+            <a:endParaRPr lang="en-US"/>
+          </a:p>
+        </p:txBody>
+      </p:sp>
+    </p:spTree>
+    <p:extLst>
+      <p:ext uri="{BB962C8B-B14F-4D97-AF65-F5344CB8AC3E}">
+        <p14:creationId xmlns:p14="http://schemas.microsoft.com/office/powerpoint/2010/main" val="1530191443"/>
+      </p:ext>
+    </p:extLst>
+  </p:cSld>
+  <p:clrMapOvr>
+    <a:masterClrMapping/>
+  </p:clrMapOvr>
+</p:notes>
+</file>
+
+<file path=ppt/notesSlides/notesSlide8.xml><?xml version="1.0" encoding="utf-8"?>
+<p:notes xmlns:a="http://schemas.openxmlformats.org/drawingml/2006/main" xmlns:r="http://schemas.openxmlformats.org/officeDocument/2006/relationships" xmlns:p="http://schemas.openxmlformats.org/presentationml/2006/main">
+  <p:cSld>
+    <p:spTree>
+      <p:nvGrpSpPr>
+        <p:cNvPr id="1" name=""/>
+        <p:cNvGrpSpPr/>
+        <p:nvPr/>
+      </p:nvGrpSpPr>
+      <p:grpSpPr>
+        <a:xfrm>
+          <a:off x="0" y="0"/>
+          <a:ext cx="0" cy="0"/>
+          <a:chOff x="0" y="0"/>
+          <a:chExt cx="0" cy="0"/>
+        </a:xfrm>
+      </p:grpSpPr>
+      <p:sp>
+        <p:nvSpPr>
+          <p:cNvPr id="2" name="Slide Image Placeholder 1"/>
+          <p:cNvSpPr>
+            <a:spLocks noGrp="1" noRot="1" noChangeAspect="1"/>
+          </p:cNvSpPr>
+          <p:nvPr>
+            <p:ph type="sldImg"/>
+          </p:nvPr>
+        </p:nvSpPr>
+        <p:spPr/>
+      </p:sp>
+      <p:sp>
+        <p:nvSpPr>
+          <p:cNvPr id="3" name="Notes Placeholder 2"/>
+          <p:cNvSpPr>
+            <a:spLocks noGrp="1"/>
+          </p:cNvSpPr>
+          <p:nvPr>
+            <p:ph type="body" idx="1"/>
+          </p:nvPr>
+        </p:nvSpPr>
+        <p:spPr/>
+        <p:txBody>
+          <a:bodyPr/>
+          <a:lstStyle/>
+          <a:p>
+            <a:endParaRPr lang="en-US" dirty="0"/>
+          </a:p>
+        </p:txBody>
+      </p:sp>
+      <p:sp>
+        <p:nvSpPr>
+          <p:cNvPr id="4" name="Slide Number Placeholder 3"/>
+          <p:cNvSpPr>
+            <a:spLocks noGrp="1"/>
+          </p:cNvSpPr>
+          <p:nvPr>
+            <p:ph type="sldNum" sz="quarter" idx="5"/>
+          </p:nvPr>
+        </p:nvSpPr>
+        <p:spPr/>
+        <p:txBody>
+          <a:bodyPr/>
+          <a:lstStyle/>
+          <a:p>
+            <a:fld id="{949C5CD1-352E-5448-952B-22D3FAA41805}" type="slidenum">
+              <a:rPr lang="en-US" smtClean="0"/>
+              <a:t>15</a:t>
             </a:fld>
             <a:endParaRPr lang="en-US"/>
           </a:p>
@@ -4388,13 +4474,13 @@
           <a:p>
             <a:r>
               <a:rPr lang="en-US" dirty="0"/>
-              <a:t>Dr. Rosemary Taylor – Department of Sociology, TTS, Tufts University</a:t>
+              <a:t>Dr. Rosemary Taylor – Department of Sociology, Tufts University</a:t>
             </a:r>
           </a:p>
           <a:p>
             <a:r>
               <a:rPr lang="en-US" dirty="0"/>
-              <a:t>Kyle Monahan – Research Technology, Tufts University</a:t>
+              <a:t>Kyle Monahan – Research Technology, TTS, Tufts University</a:t>
             </a:r>
           </a:p>
         </p:txBody>
@@ -4727,7 +4813,7 @@
           <p:cNvPr id="2" name="Title 1">
             <a:extLst>
               <a:ext uri="{FF2B5EF4-FFF2-40B4-BE49-F238E27FC236}">
-                <a16:creationId xmlns:a16="http://schemas.microsoft.com/office/drawing/2014/main" id="{F92F74E2-D4E3-2CD2-F6D7-F1D6B95E48D1}"/>
+                <a16:creationId xmlns:a16="http://schemas.microsoft.com/office/drawing/2014/main" id="{1A7321D5-C147-5F0F-26AB-B2D18FCB3FCA}"/>
               </a:ext>
             </a:extLst>
           </p:cNvPr>
@@ -4745,17 +4831,17 @@
           <a:p>
             <a:r>
               <a:rPr lang="en-US" dirty="0"/>
-              <a:t>Example of Guided Topic Modelling</a:t>
-            </a:r>
-          </a:p>
-        </p:txBody>
-      </p:sp>
-      <p:sp>
-        <p:nvSpPr>
-          <p:cNvPr id="4" name="Slide Number Placeholder 3">
-            <a:extLst>
-              <a:ext uri="{FF2B5EF4-FFF2-40B4-BE49-F238E27FC236}">
-                <a16:creationId xmlns:a16="http://schemas.microsoft.com/office/drawing/2014/main" id="{2FA13ED7-184D-441F-2103-F641874A1BE1}"/>
+              <a:t>Example of Guided Topic Modeling</a:t>
+            </a:r>
+          </a:p>
+        </p:txBody>
+      </p:sp>
+      <p:sp>
+        <p:nvSpPr>
+          <p:cNvPr id="3" name="Slide Number Placeholder 2">
+            <a:extLst>
+              <a:ext uri="{FF2B5EF4-FFF2-40B4-BE49-F238E27FC236}">
+                <a16:creationId xmlns:a16="http://schemas.microsoft.com/office/drawing/2014/main" id="{290336D9-8DA6-697C-3423-E9A4110127B3}"/>
               </a:ext>
             </a:extLst>
           </p:cNvPr>
@@ -4779,6 +4865,380 @@
           </a:p>
         </p:txBody>
       </p:sp>
+      <p:graphicFrame>
+        <p:nvGraphicFramePr>
+          <p:cNvPr id="4" name="Table 3">
+            <a:extLst>
+              <a:ext uri="{FF2B5EF4-FFF2-40B4-BE49-F238E27FC236}">
+                <a16:creationId xmlns:a16="http://schemas.microsoft.com/office/drawing/2014/main" id="{D3DF1E69-9E92-F961-DD32-82FCE346D28B}"/>
+              </a:ext>
+            </a:extLst>
+          </p:cNvPr>
+          <p:cNvGraphicFramePr>
+            <a:graphicFrameLocks noGrp="1"/>
+          </p:cNvGraphicFramePr>
+          <p:nvPr>
+            <p:extLst>
+              <p:ext uri="{D42A27DB-BD31-4B8C-83A1-F6EECF244321}">
+                <p14:modId xmlns:p14="http://schemas.microsoft.com/office/powerpoint/2010/main" val="3285955285"/>
+              </p:ext>
+            </p:extLst>
+          </p:nvPr>
+        </p:nvGraphicFramePr>
+        <p:xfrm>
+          <a:off x="838200" y="1690690"/>
+          <a:ext cx="10515600" cy="4523498"/>
+        </p:xfrm>
+        <a:graphic>
+          <a:graphicData uri="http://schemas.openxmlformats.org/drawingml/2006/table">
+            <a:tbl>
+              <a:tblPr firstRow="1" bandRow="1">
+                <a:tableStyleId>{5C22544A-7EE6-4342-B048-85BDC9FD1C3A}</a:tableStyleId>
+              </a:tblPr>
+              <a:tblGrid>
+                <a:gridCol w="1093237">
+                  <a:extLst>
+                    <a:ext uri="{9D8B030D-6E8A-4147-A177-3AD203B41FA5}">
+                      <a16:colId xmlns:a16="http://schemas.microsoft.com/office/drawing/2014/main" val="1574814632"/>
+                    </a:ext>
+                  </a:extLst>
+                </a:gridCol>
+                <a:gridCol w="2976465">
+                  <a:extLst>
+                    <a:ext uri="{9D8B030D-6E8A-4147-A177-3AD203B41FA5}">
+                      <a16:colId xmlns:a16="http://schemas.microsoft.com/office/drawing/2014/main" val="3642108241"/>
+                    </a:ext>
+                  </a:extLst>
+                </a:gridCol>
+                <a:gridCol w="6445898">
+                  <a:extLst>
+                    <a:ext uri="{9D8B030D-6E8A-4147-A177-3AD203B41FA5}">
+                      <a16:colId xmlns:a16="http://schemas.microsoft.com/office/drawing/2014/main" val="1646731787"/>
+                    </a:ext>
+                  </a:extLst>
+                </a:gridCol>
+              </a:tblGrid>
+              <a:tr h="808720">
+                <a:tc>
+                  <a:txBody>
+                    <a:bodyPr/>
+                    <a:lstStyle/>
+                    <a:p>
+                      <a:r>
+                        <a:rPr lang="en-US" dirty="0"/>
+                        <a:t>Topic Number</a:t>
+                      </a:r>
+                    </a:p>
+                  </a:txBody>
+                  <a:tcPr/>
+                </a:tc>
+                <a:tc>
+                  <a:txBody>
+                    <a:bodyPr/>
+                    <a:lstStyle/>
+                    <a:p>
+                      <a:r>
+                        <a:rPr lang="en-US" dirty="0"/>
+                        <a:t>Generated question</a:t>
+                      </a:r>
+                    </a:p>
+                  </a:txBody>
+                  <a:tcPr/>
+                </a:tc>
+                <a:tc>
+                  <a:txBody>
+                    <a:bodyPr/>
+                    <a:lstStyle/>
+                    <a:p>
+                      <a:r>
+                        <a:rPr lang="en-US" dirty="0"/>
+                        <a:t>Topic Label</a:t>
+                      </a:r>
+                    </a:p>
+                  </a:txBody>
+                  <a:tcPr/>
+                </a:tc>
+                <a:extLst>
+                  <a:ext uri="{0D108BD9-81ED-4DB2-BD59-A6C34878D82A}">
+                    <a16:rowId xmlns:a16="http://schemas.microsoft.com/office/drawing/2014/main" val="739620788"/>
+                  </a:ext>
+                </a:extLst>
+              </a:tr>
+              <a:tr h="708322">
+                <a:tc>
+                  <a:txBody>
+                    <a:bodyPr/>
+                    <a:lstStyle/>
+                    <a:p>
+                      <a:r>
+                        <a:rPr lang="en-US" sz="1400" dirty="0"/>
+                        <a:t>Topic 1</a:t>
+                      </a:r>
+                    </a:p>
+                  </a:txBody>
+                  <a:tcPr/>
+                </a:tc>
+                <a:tc>
+                  <a:txBody>
+                    <a:bodyPr/>
+                    <a:lstStyle/>
+                    <a:p>
+                      <a:r>
+                        <a:rPr lang="en-US" sz="1400" dirty="0"/>
+                        <a:t>What factors contribute to the creation of a disease identity?</a:t>
+                      </a:r>
+                    </a:p>
+                  </a:txBody>
+                  <a:tcPr/>
+                </a:tc>
+                <a:tc>
+                  <a:txBody>
+                    <a:bodyPr/>
+                    <a:lstStyle/>
+                    <a:p>
+                      <a:r>
+                        <a:rPr lang="en-US" sz="1400" dirty="0"/>
+                        <a:t>Factors contributing to the creation of a disease identity include medical specialization, technologies of diagnosis, and broad social trends.</a:t>
+                      </a:r>
+                    </a:p>
+                  </a:txBody>
+                  <a:tcPr/>
+                </a:tc>
+                <a:extLst>
+                  <a:ext uri="{0D108BD9-81ED-4DB2-BD59-A6C34878D82A}">
+                    <a16:rowId xmlns:a16="http://schemas.microsoft.com/office/drawing/2014/main" val="2734461841"/>
+                  </a:ext>
+                </a:extLst>
+              </a:tr>
+              <a:tr h="1157952">
+                <a:tc>
+                  <a:txBody>
+                    <a:bodyPr/>
+                    <a:lstStyle/>
+                    <a:p>
+                      <a:r>
+                        <a:rPr lang="en-US" sz="1400" dirty="0"/>
+                        <a:t>Topic 2</a:t>
+                      </a:r>
+                    </a:p>
+                  </a:txBody>
+                  <a:tcPr/>
+                </a:tc>
+                <a:tc>
+                  <a:txBody>
+                    <a:bodyPr/>
+                    <a:lstStyle/>
+                    <a:p>
+                      <a:r>
+                        <a:rPr lang="en-US" sz="1400" dirty="0"/>
+                        <a:t>How do medical professionals, government officials, artists, and journalists collectively create disease categories?</a:t>
+                      </a:r>
+                    </a:p>
+                  </a:txBody>
+                  <a:tcPr/>
+                </a:tc>
+                <a:tc>
+                  <a:txBody>
+                    <a:bodyPr/>
+                    <a:lstStyle/>
+                    <a:p>
+                      <a:r>
+                        <a:rPr lang="en-US" sz="1400" dirty="0"/>
+                        <a:t>Medical professionals, government officials, artists, and journalists contribute to the creation of disease categories through empirical knowledge, argumentation, cultural interpretation, and social inequality awareness.</a:t>
+                      </a:r>
+                    </a:p>
+                  </a:txBody>
+                  <a:tcPr/>
+                </a:tc>
+                <a:extLst>
+                  <a:ext uri="{0D108BD9-81ED-4DB2-BD59-A6C34878D82A}">
+                    <a16:rowId xmlns:a16="http://schemas.microsoft.com/office/drawing/2014/main" val="2947796853"/>
+                  </a:ext>
+                </a:extLst>
+              </a:tr>
+              <a:tr h="924252">
+                <a:tc>
+                  <a:txBody>
+                    <a:bodyPr/>
+                    <a:lstStyle/>
+                    <a:p>
+                      <a:r>
+                        <a:rPr lang="en-US" sz="1400" dirty="0"/>
+                        <a:t>Topic 3</a:t>
+                      </a:r>
+                    </a:p>
+                  </a:txBody>
+                  <a:tcPr/>
+                </a:tc>
+                <a:tc>
+                  <a:txBody>
+                    <a:bodyPr/>
+                    <a:lstStyle/>
+                    <a:p>
+                      <a:r>
+                        <a:rPr lang="en-US" sz="1400" dirty="0"/>
+                        <a:t>How do advances in science or medicine influence the understanding of a disease?</a:t>
+                      </a:r>
+                    </a:p>
+                  </a:txBody>
+                  <a:tcPr/>
+                </a:tc>
+                <a:tc>
+                  <a:txBody>
+                    <a:bodyPr/>
+                    <a:lstStyle/>
+                    <a:p>
+                      <a:r>
+                        <a:rPr lang="en-US" sz="1400" dirty="0"/>
+                        <a:t>Advances in science and medicine have influenced the understanding of thyroid disease, leading to changes in diagnostic criteria and treatment approaches, but have not resulted in significant innovation in the field.</a:t>
+                      </a:r>
+                    </a:p>
+                  </a:txBody>
+                  <a:tcPr/>
+                </a:tc>
+                <a:extLst>
+                  <a:ext uri="{0D108BD9-81ED-4DB2-BD59-A6C34878D82A}">
+                    <a16:rowId xmlns:a16="http://schemas.microsoft.com/office/drawing/2014/main" val="2695343842"/>
+                  </a:ext>
+                </a:extLst>
+              </a:tr>
+              <a:tr h="924252">
+                <a:tc>
+                  <a:txBody>
+                    <a:bodyPr/>
+                    <a:lstStyle/>
+                    <a:p>
+                      <a:r>
+                        <a:rPr lang="en-US" sz="1400" dirty="0"/>
+                        <a:t>Topic 4</a:t>
+                      </a:r>
+                    </a:p>
+                  </a:txBody>
+                  <a:tcPr/>
+                </a:tc>
+                <a:tc>
+                  <a:txBody>
+                    <a:bodyPr/>
+                    <a:lstStyle/>
+                    <a:p>
+                      <a:r>
+                        <a:rPr lang="en-US" sz="1400" dirty="0"/>
+                        <a:t>How do disease identities inform disease control policies?</a:t>
+                      </a:r>
+                    </a:p>
+                  </a:txBody>
+                  <a:tcPr/>
+                </a:tc>
+                <a:tc>
+                  <a:txBody>
+                    <a:bodyPr/>
+                    <a:lstStyle/>
+                    <a:p>
+                      <a:r>
+                        <a:rPr lang="en-US" sz="1400" dirty="0"/>
+                        <a:t>Disease control policies can be influenced by disease identities, as seen in the differing criteria for diagnosing tuberculosis and the varying perceptions of its causes, such as the "disease of civilization" argument.</a:t>
+                      </a:r>
+                    </a:p>
+                  </a:txBody>
+                  <a:tcPr/>
+                </a:tc>
+                <a:extLst>
+                  <a:ext uri="{0D108BD9-81ED-4DB2-BD59-A6C34878D82A}">
+                    <a16:rowId xmlns:a16="http://schemas.microsoft.com/office/drawing/2014/main" val="749342347"/>
+                  </a:ext>
+                </a:extLst>
+              </a:tr>
+            </a:tbl>
+          </a:graphicData>
+        </a:graphic>
+      </p:graphicFrame>
+    </p:spTree>
+    <p:extLst>
+      <p:ext uri="{BB962C8B-B14F-4D97-AF65-F5344CB8AC3E}">
+        <p14:creationId xmlns:p14="http://schemas.microsoft.com/office/powerpoint/2010/main" val="1793175760"/>
+      </p:ext>
+    </p:extLst>
+  </p:cSld>
+  <p:clrMapOvr>
+    <a:masterClrMapping/>
+  </p:clrMapOvr>
+</p:sld>
+</file>
+
+<file path=ppt/slides/slide13.xml><?xml version="1.0" encoding="utf-8"?>
+<p:sld xmlns:a="http://schemas.openxmlformats.org/drawingml/2006/main" xmlns:r="http://schemas.openxmlformats.org/officeDocument/2006/relationships" xmlns:p="http://schemas.openxmlformats.org/presentationml/2006/main">
+  <p:cSld>
+    <p:spTree>
+      <p:nvGrpSpPr>
+        <p:cNvPr id="1" name=""/>
+        <p:cNvGrpSpPr/>
+        <p:nvPr/>
+      </p:nvGrpSpPr>
+      <p:grpSpPr>
+        <a:xfrm>
+          <a:off x="0" y="0"/>
+          <a:ext cx="0" cy="0"/>
+          <a:chOff x="0" y="0"/>
+          <a:chExt cx="0" cy="0"/>
+        </a:xfrm>
+      </p:grpSpPr>
+      <p:sp>
+        <p:nvSpPr>
+          <p:cNvPr id="2" name="Title 1">
+            <a:extLst>
+              <a:ext uri="{FF2B5EF4-FFF2-40B4-BE49-F238E27FC236}">
+                <a16:creationId xmlns:a16="http://schemas.microsoft.com/office/drawing/2014/main" id="{F92F74E2-D4E3-2CD2-F6D7-F1D6B95E48D1}"/>
+              </a:ext>
+            </a:extLst>
+          </p:cNvPr>
+          <p:cNvSpPr>
+            <a:spLocks noGrp="1"/>
+          </p:cNvSpPr>
+          <p:nvPr>
+            <p:ph type="title"/>
+          </p:nvPr>
+        </p:nvSpPr>
+        <p:spPr/>
+        <p:txBody>
+          <a:bodyPr/>
+          <a:lstStyle/>
+          <a:p>
+            <a:r>
+              <a:rPr lang="en-US" dirty="0"/>
+              <a:t>Example of Guided Topic Modelling</a:t>
+            </a:r>
+          </a:p>
+        </p:txBody>
+      </p:sp>
+      <p:sp>
+        <p:nvSpPr>
+          <p:cNvPr id="4" name="Slide Number Placeholder 3">
+            <a:extLst>
+              <a:ext uri="{FF2B5EF4-FFF2-40B4-BE49-F238E27FC236}">
+                <a16:creationId xmlns:a16="http://schemas.microsoft.com/office/drawing/2014/main" id="{2FA13ED7-184D-441F-2103-F641874A1BE1}"/>
+              </a:ext>
+            </a:extLst>
+          </p:cNvPr>
+          <p:cNvSpPr>
+            <a:spLocks noGrp="1"/>
+          </p:cNvSpPr>
+          <p:nvPr>
+            <p:ph type="sldNum" sz="quarter" idx="12"/>
+          </p:nvPr>
+        </p:nvSpPr>
+        <p:spPr/>
+        <p:txBody>
+          <a:bodyPr/>
+          <a:lstStyle/>
+          <a:p>
+            <a:fld id="{1B151217-4470-7047-AEFC-1D2950B14D98}" type="slidenum">
+              <a:rPr lang="en-US" smtClean="0"/>
+              <a:t>13</a:t>
+            </a:fld>
+            <a:endParaRPr lang="en-US"/>
+          </a:p>
+        </p:txBody>
+      </p:sp>
       <p:pic>
         <p:nvPicPr>
           <p:cNvPr id="6" name="Picture 5" descr="A close-up of a white page&#10;&#10;Description automatically generated">
@@ -4794,7 +5254,7 @@
           <p:nvPr/>
         </p:nvPicPr>
         <p:blipFill rotWithShape="1">
-          <a:blip r:embed="rId2"/>
+          <a:blip r:embed="rId3"/>
           <a:srcRect t="35211"/>
           <a:stretch/>
         </p:blipFill>
@@ -4823,7 +5283,7 @@
           <p:nvPr/>
         </p:nvPicPr>
         <p:blipFill>
-          <a:blip r:embed="rId3"/>
+          <a:blip r:embed="rId4"/>
           <a:stretch>
             <a:fillRect/>
           </a:stretch>
@@ -4851,180 +5311,6 @@
 </p:sld>
 </file>
 
-<file path=ppt/slides/slide13.xml><?xml version="1.0" encoding="utf-8"?>
-<p:sld xmlns:a="http://schemas.openxmlformats.org/drawingml/2006/main" xmlns:r="http://schemas.openxmlformats.org/officeDocument/2006/relationships" xmlns:p="http://schemas.openxmlformats.org/presentationml/2006/main">
-  <p:cSld>
-    <p:spTree>
-      <p:nvGrpSpPr>
-        <p:cNvPr id="1" name=""/>
-        <p:cNvGrpSpPr/>
-        <p:nvPr/>
-      </p:nvGrpSpPr>
-      <p:grpSpPr>
-        <a:xfrm>
-          <a:off x="0" y="0"/>
-          <a:ext cx="0" cy="0"/>
-          <a:chOff x="0" y="0"/>
-          <a:chExt cx="0" cy="0"/>
-        </a:xfrm>
-      </p:grpSpPr>
-      <p:sp>
-        <p:nvSpPr>
-          <p:cNvPr id="2" name="Title 1">
-            <a:extLst>
-              <a:ext uri="{FF2B5EF4-FFF2-40B4-BE49-F238E27FC236}">
-                <a16:creationId xmlns:a16="http://schemas.microsoft.com/office/drawing/2014/main" id="{73953A01-3E9A-20E7-4C12-49FFF6EF4A0C}"/>
-              </a:ext>
-            </a:extLst>
-          </p:cNvPr>
-          <p:cNvSpPr>
-            <a:spLocks noGrp="1"/>
-          </p:cNvSpPr>
-          <p:nvPr>
-            <p:ph type="title"/>
-          </p:nvPr>
-        </p:nvSpPr>
-        <p:spPr/>
-        <p:txBody>
-          <a:bodyPr/>
-          <a:lstStyle/>
-          <a:p>
-            <a:r>
-              <a:rPr lang="en-US" dirty="0"/>
-              <a:t>Ongoing work</a:t>
-            </a:r>
-          </a:p>
-        </p:txBody>
-      </p:sp>
-      <p:sp>
-        <p:nvSpPr>
-          <p:cNvPr id="3" name="Content Placeholder 2">
-            <a:extLst>
-              <a:ext uri="{FF2B5EF4-FFF2-40B4-BE49-F238E27FC236}">
-                <a16:creationId xmlns:a16="http://schemas.microsoft.com/office/drawing/2014/main" id="{15E61FFF-E019-E14C-FEFB-29B86C79121C}"/>
-              </a:ext>
-            </a:extLst>
-          </p:cNvPr>
-          <p:cNvSpPr>
-            <a:spLocks noGrp="1"/>
-          </p:cNvSpPr>
-          <p:nvPr>
-            <p:ph idx="1"/>
-          </p:nvPr>
-        </p:nvSpPr>
-        <p:spPr/>
-        <p:txBody>
-          <a:bodyPr>
-            <a:normAutofit fontScale="92500" lnSpcReduction="10000"/>
-          </a:bodyPr>
-          <a:lstStyle/>
-          <a:p>
-            <a:r>
-              <a:rPr lang="en-US" dirty="0"/>
-              <a:t>Centroid calculation: </a:t>
-            </a:r>
-          </a:p>
-          <a:p>
-            <a:pPr lvl="1"/>
-            <a:r>
-              <a:rPr lang="en-US" dirty="0"/>
-              <a:t>Currently only one document embedding is being used as a centroid</a:t>
-            </a:r>
-          </a:p>
-          <a:p>
-            <a:pPr lvl="1"/>
-            <a:r>
-              <a:rPr lang="en-US" dirty="0"/>
-              <a:t>Integrating multiple embeddings is a current statistical challenge</a:t>
-            </a:r>
-          </a:p>
-          <a:p>
-            <a:pPr marL="457200" lvl="1" indent="0">
-              <a:buNone/>
-            </a:pPr>
-            <a:endParaRPr lang="en-US" dirty="0"/>
-          </a:p>
-          <a:p>
-            <a:r>
-              <a:rPr lang="en-US" dirty="0"/>
-              <a:t>More advanced similarity metrics</a:t>
-            </a:r>
-          </a:p>
-          <a:p>
-            <a:pPr lvl="1"/>
-            <a:r>
-              <a:rPr lang="en-US" dirty="0"/>
-              <a:t>Document relevance to a question is calculated with a simple dot product</a:t>
-            </a:r>
-          </a:p>
-          <a:p>
-            <a:pPr lvl="1"/>
-            <a:r>
-              <a:rPr lang="en-US" dirty="0"/>
-              <a:t>More advanced methods for this calculation can be drawn from the literature on Retrieval Augmented Generation (RAG)</a:t>
-            </a:r>
-          </a:p>
-          <a:p>
-            <a:pPr lvl="1"/>
-            <a:endParaRPr lang="en-US" dirty="0"/>
-          </a:p>
-          <a:p>
-            <a:r>
-              <a:rPr lang="en-US" dirty="0"/>
-              <a:t>User Interface Design</a:t>
-            </a:r>
-          </a:p>
-          <a:p>
-            <a:pPr lvl="1"/>
-            <a:r>
-              <a:rPr lang="en-US" dirty="0"/>
-              <a:t>Developing a no-code environment which visualizes documents and labels (topics)</a:t>
-            </a:r>
-          </a:p>
-        </p:txBody>
-      </p:sp>
-      <p:sp>
-        <p:nvSpPr>
-          <p:cNvPr id="4" name="Slide Number Placeholder 3">
-            <a:extLst>
-              <a:ext uri="{FF2B5EF4-FFF2-40B4-BE49-F238E27FC236}">
-                <a16:creationId xmlns:a16="http://schemas.microsoft.com/office/drawing/2014/main" id="{DC007B85-CCFF-E517-E6C4-BF9F00695EEF}"/>
-              </a:ext>
-            </a:extLst>
-          </p:cNvPr>
-          <p:cNvSpPr>
-            <a:spLocks noGrp="1"/>
-          </p:cNvSpPr>
-          <p:nvPr>
-            <p:ph type="sldNum" sz="quarter" idx="12"/>
-          </p:nvPr>
-        </p:nvSpPr>
-        <p:spPr/>
-        <p:txBody>
-          <a:bodyPr/>
-          <a:lstStyle/>
-          <a:p>
-            <a:fld id="{1B151217-4470-7047-AEFC-1D2950B14D98}" type="slidenum">
-              <a:rPr lang="en-US" smtClean="0"/>
-              <a:t>13</a:t>
-            </a:fld>
-            <a:endParaRPr lang="en-US"/>
-          </a:p>
-        </p:txBody>
-      </p:sp>
-    </p:spTree>
-    <p:extLst>
-      <p:ext uri="{BB962C8B-B14F-4D97-AF65-F5344CB8AC3E}">
-        <p14:creationId xmlns:p14="http://schemas.microsoft.com/office/powerpoint/2010/main" val="1231927939"/>
-      </p:ext>
-    </p:extLst>
-  </p:cSld>
-  <p:clrMapOvr>
-    <a:masterClrMapping/>
-  </p:clrMapOvr>
-</p:sld>
-</file>
-
 <file path=ppt/slides/slide14.xml><?xml version="1.0" encoding="utf-8"?>
 <p:sld xmlns:a="http://schemas.openxmlformats.org/drawingml/2006/main" xmlns:r="http://schemas.openxmlformats.org/officeDocument/2006/relationships" xmlns:p="http://schemas.openxmlformats.org/presentationml/2006/main">
   <p:cSld>
@@ -5047,7 +5333,7 @@
           <p:cNvPr id="2" name="Title 1">
             <a:extLst>
               <a:ext uri="{FF2B5EF4-FFF2-40B4-BE49-F238E27FC236}">
-                <a16:creationId xmlns:a16="http://schemas.microsoft.com/office/drawing/2014/main" id="{F049B48C-07AF-0B86-9BE7-98B0F9EF5D04}"/>
+                <a16:creationId xmlns:a16="http://schemas.microsoft.com/office/drawing/2014/main" id="{61D79ABF-E60B-2E86-295E-59E274869514}"/>
               </a:ext>
             </a:extLst>
           </p:cNvPr>
@@ -5065,6 +5351,553 @@
           <a:p>
             <a:r>
               <a:rPr lang="en-US" dirty="0"/>
+              <a:t>Example of Guided Topic Modeling</a:t>
+            </a:r>
+          </a:p>
+        </p:txBody>
+      </p:sp>
+      <p:sp>
+        <p:nvSpPr>
+          <p:cNvPr id="3" name="Slide Number Placeholder 2">
+            <a:extLst>
+              <a:ext uri="{FF2B5EF4-FFF2-40B4-BE49-F238E27FC236}">
+                <a16:creationId xmlns:a16="http://schemas.microsoft.com/office/drawing/2014/main" id="{F06884AB-18A3-1A84-A0CD-597A92CDF591}"/>
+              </a:ext>
+            </a:extLst>
+          </p:cNvPr>
+          <p:cNvSpPr>
+            <a:spLocks noGrp="1"/>
+          </p:cNvSpPr>
+          <p:nvPr>
+            <p:ph type="sldNum" sz="quarter" idx="12"/>
+          </p:nvPr>
+        </p:nvSpPr>
+        <p:spPr/>
+        <p:txBody>
+          <a:bodyPr/>
+          <a:lstStyle/>
+          <a:p>
+            <a:fld id="{1B151217-4470-7047-AEFC-1D2950B14D98}" type="slidenum">
+              <a:rPr lang="en-US" smtClean="0"/>
+              <a:t>14</a:t>
+            </a:fld>
+            <a:endParaRPr lang="en-US"/>
+          </a:p>
+        </p:txBody>
+      </p:sp>
+      <p:graphicFrame>
+        <p:nvGraphicFramePr>
+          <p:cNvPr id="5" name="Table 4">
+            <a:extLst>
+              <a:ext uri="{FF2B5EF4-FFF2-40B4-BE49-F238E27FC236}">
+                <a16:creationId xmlns:a16="http://schemas.microsoft.com/office/drawing/2014/main" id="{72491D2C-9AC0-E204-6090-F9794EDC9A40}"/>
+              </a:ext>
+            </a:extLst>
+          </p:cNvPr>
+          <p:cNvGraphicFramePr>
+            <a:graphicFrameLocks noGrp="1"/>
+          </p:cNvGraphicFramePr>
+          <p:nvPr>
+            <p:extLst>
+              <p:ext uri="{D42A27DB-BD31-4B8C-83A1-F6EECF244321}">
+                <p14:modId xmlns:p14="http://schemas.microsoft.com/office/powerpoint/2010/main" val="3697696709"/>
+              </p:ext>
+            </p:extLst>
+          </p:nvPr>
+        </p:nvGraphicFramePr>
+        <p:xfrm>
+          <a:off x="838200" y="1690691"/>
+          <a:ext cx="10515600" cy="4691868"/>
+        </p:xfrm>
+        <a:graphic>
+          <a:graphicData uri="http://schemas.openxmlformats.org/drawingml/2006/table">
+            <a:tbl>
+              <a:tblPr firstRow="1" bandRow="1">
+                <a:tableStyleId>{5C22544A-7EE6-4342-B048-85BDC9FD1C3A}</a:tableStyleId>
+              </a:tblPr>
+              <a:tblGrid>
+                <a:gridCol w="1093237">
+                  <a:extLst>
+                    <a:ext uri="{9D8B030D-6E8A-4147-A177-3AD203B41FA5}">
+                      <a16:colId xmlns:a16="http://schemas.microsoft.com/office/drawing/2014/main" val="1574814632"/>
+                    </a:ext>
+                  </a:extLst>
+                </a:gridCol>
+                <a:gridCol w="2976465">
+                  <a:extLst>
+                    <a:ext uri="{9D8B030D-6E8A-4147-A177-3AD203B41FA5}">
+                      <a16:colId xmlns:a16="http://schemas.microsoft.com/office/drawing/2014/main" val="3642108241"/>
+                    </a:ext>
+                  </a:extLst>
+                </a:gridCol>
+                <a:gridCol w="6445898">
+                  <a:extLst>
+                    <a:ext uri="{9D8B030D-6E8A-4147-A177-3AD203B41FA5}">
+                      <a16:colId xmlns:a16="http://schemas.microsoft.com/office/drawing/2014/main" val="1646731787"/>
+                    </a:ext>
+                  </a:extLst>
+                </a:gridCol>
+              </a:tblGrid>
+              <a:tr h="690602">
+                <a:tc>
+                  <a:txBody>
+                    <a:bodyPr/>
+                    <a:lstStyle/>
+                    <a:p>
+                      <a:r>
+                        <a:rPr lang="en-US" dirty="0"/>
+                        <a:t>Topic Number</a:t>
+                      </a:r>
+                    </a:p>
+                  </a:txBody>
+                  <a:tcPr/>
+                </a:tc>
+                <a:tc>
+                  <a:txBody>
+                    <a:bodyPr/>
+                    <a:lstStyle/>
+                    <a:p>
+                      <a:r>
+                        <a:rPr lang="en-US" dirty="0"/>
+                        <a:t>Generated question</a:t>
+                      </a:r>
+                    </a:p>
+                  </a:txBody>
+                  <a:tcPr/>
+                </a:tc>
+                <a:tc>
+                  <a:txBody>
+                    <a:bodyPr/>
+                    <a:lstStyle/>
+                    <a:p>
+                      <a:r>
+                        <a:rPr lang="en-US" dirty="0"/>
+                        <a:t>Topic Label</a:t>
+                      </a:r>
+                    </a:p>
+                  </a:txBody>
+                  <a:tcPr/>
+                </a:tc>
+                <a:extLst>
+                  <a:ext uri="{0D108BD9-81ED-4DB2-BD59-A6C34878D82A}">
+                    <a16:rowId xmlns:a16="http://schemas.microsoft.com/office/drawing/2014/main" val="739620788"/>
+                  </a:ext>
+                </a:extLst>
+              </a:tr>
+              <a:tr h="1156047">
+                <a:tc>
+                  <a:txBody>
+                    <a:bodyPr/>
+                    <a:lstStyle/>
+                    <a:p>
+                      <a:r>
+                        <a:rPr lang="en-US" sz="1400" dirty="0"/>
+                        <a:t>Topic 7</a:t>
+                      </a:r>
+                    </a:p>
+                  </a:txBody>
+                  <a:tcPr/>
+                </a:tc>
+                <a:tc>
+                  <a:txBody>
+                    <a:bodyPr/>
+                    <a:lstStyle/>
+                    <a:p>
+                      <a:r>
+                        <a:rPr lang="en-US" sz="1400" dirty="0"/>
+                        <a:t>How do public discourse and historical context shape disease classifications?</a:t>
+                      </a:r>
+                    </a:p>
+                  </a:txBody>
+                  <a:tcPr/>
+                </a:tc>
+                <a:tc>
+                  <a:txBody>
+                    <a:bodyPr/>
+                    <a:lstStyle/>
+                    <a:p>
+                      <a:r>
+                        <a:rPr lang="en-US" sz="1400" dirty="0"/>
+                        <a:t>Public discourse and historical context can influence disease classifications by determining what is considered a reportable disease, impacting perceptions of patients and their conditions, and shaping the goals and strategies of advocacy organizations.</a:t>
+                      </a:r>
+                    </a:p>
+                  </a:txBody>
+                  <a:tcPr/>
+                </a:tc>
+                <a:extLst>
+                  <a:ext uri="{0D108BD9-81ED-4DB2-BD59-A6C34878D82A}">
+                    <a16:rowId xmlns:a16="http://schemas.microsoft.com/office/drawing/2014/main" val="2734461841"/>
+                  </a:ext>
+                </a:extLst>
+              </a:tr>
+              <a:tr h="1111079">
+                <a:tc>
+                  <a:txBody>
+                    <a:bodyPr/>
+                    <a:lstStyle/>
+                    <a:p>
+                      <a:r>
+                        <a:rPr lang="en-US" sz="1400" dirty="0"/>
+                        <a:t>Topic 8</a:t>
+                      </a:r>
+                    </a:p>
+                  </a:txBody>
+                  <a:tcPr/>
+                </a:tc>
+                <a:tc>
+                  <a:txBody>
+                    <a:bodyPr/>
+                    <a:lstStyle/>
+                    <a:p>
+                      <a:r>
+                        <a:rPr lang="en-US" sz="1400" dirty="0"/>
+                        <a:t>How do negotiations among social actors impact disease diagnosis and labels?</a:t>
+                      </a:r>
+                    </a:p>
+                  </a:txBody>
+                  <a:tcPr/>
+                </a:tc>
+                <a:tc>
+                  <a:txBody>
+                    <a:bodyPr/>
+                    <a:lstStyle/>
+                    <a:p>
+                      <a:r>
+                        <a:rPr lang="en-US" sz="1400" dirty="0"/>
+                        <a:t>The promotion of perceptions linking ALS to other neurodegenerative diseases by disease advocates in the 1980s influenced the way researchers understood and approached these conditions.</a:t>
+                      </a:r>
+                    </a:p>
+                  </a:txBody>
+                  <a:tcPr/>
+                </a:tc>
+                <a:extLst>
+                  <a:ext uri="{0D108BD9-81ED-4DB2-BD59-A6C34878D82A}">
+                    <a16:rowId xmlns:a16="http://schemas.microsoft.com/office/drawing/2014/main" val="2947796853"/>
+                  </a:ext>
+                </a:extLst>
+              </a:tr>
+              <a:tr h="918672">
+                <a:tc>
+                  <a:txBody>
+                    <a:bodyPr/>
+                    <a:lstStyle/>
+                    <a:p>
+                      <a:r>
+                        <a:rPr lang="en-US" sz="1400" dirty="0"/>
+                        <a:t>Topic 10</a:t>
+                      </a:r>
+                    </a:p>
+                  </a:txBody>
+                  <a:tcPr/>
+                </a:tc>
+                <a:tc>
+                  <a:txBody>
+                    <a:bodyPr/>
+                    <a:lstStyle/>
+                    <a:p>
+                      <a:r>
+                        <a:rPr lang="en-US" sz="1400" dirty="0"/>
+                        <a:t>What assumptions does disease classification challenge when considered as a socially constructed phenomenon?</a:t>
+                      </a:r>
+                    </a:p>
+                  </a:txBody>
+                  <a:tcPr/>
+                </a:tc>
+                <a:tc>
+                  <a:txBody>
+                    <a:bodyPr/>
+                    <a:lstStyle/>
+                    <a:p>
+                      <a:r>
+                        <a:rPr lang="en-US" sz="1400" dirty="0"/>
+                        <a:t>Medical sociologists argue that diseases like SARS and influenza are socially constructed through the interplay of factors such as panic, media reports, government responses, and historical patterns of communication and mistrust between communities.</a:t>
+                      </a:r>
+                    </a:p>
+                  </a:txBody>
+                  <a:tcPr/>
+                </a:tc>
+                <a:extLst>
+                  <a:ext uri="{0D108BD9-81ED-4DB2-BD59-A6C34878D82A}">
+                    <a16:rowId xmlns:a16="http://schemas.microsoft.com/office/drawing/2014/main" val="2695343842"/>
+                  </a:ext>
+                </a:extLst>
+              </a:tr>
+              <a:tr h="789260">
+                <a:tc>
+                  <a:txBody>
+                    <a:bodyPr/>
+                    <a:lstStyle/>
+                    <a:p>
+                      <a:r>
+                        <a:rPr lang="en-US" sz="1400" dirty="0"/>
+                        <a:t>Topic 11</a:t>
+                      </a:r>
+                    </a:p>
+                  </a:txBody>
+                  <a:tcPr/>
+                </a:tc>
+                <a:tc>
+                  <a:txBody>
+                    <a:bodyPr/>
+                    <a:lstStyle/>
+                    <a:p>
+                      <a:r>
+                        <a:rPr lang="en-US" sz="1400" dirty="0"/>
+                        <a:t>How do medical sociologists argue that diseases are socially constructed?</a:t>
+                      </a:r>
+                    </a:p>
+                  </a:txBody>
+                  <a:tcPr/>
+                </a:tc>
+                <a:tc>
+                  <a:txBody>
+                    <a:bodyPr/>
+                    <a:lstStyle/>
+                    <a:p>
+                      <a:r>
+                        <a:rPr lang="en-US" sz="1400" dirty="0"/>
+                        <a:t>Documented discussions and studies on disease entities reveal the influence of cultural and institutional changes on their emergence.</a:t>
+                      </a:r>
+                    </a:p>
+                  </a:txBody>
+                  <a:tcPr/>
+                </a:tc>
+                <a:extLst>
+                  <a:ext uri="{0D108BD9-81ED-4DB2-BD59-A6C34878D82A}">
+                    <a16:rowId xmlns:a16="http://schemas.microsoft.com/office/drawing/2014/main" val="749342347"/>
+                  </a:ext>
+                </a:extLst>
+              </a:tr>
+            </a:tbl>
+          </a:graphicData>
+        </a:graphic>
+      </p:graphicFrame>
+    </p:spTree>
+    <p:extLst>
+      <p:ext uri="{BB962C8B-B14F-4D97-AF65-F5344CB8AC3E}">
+        <p14:creationId xmlns:p14="http://schemas.microsoft.com/office/powerpoint/2010/main" val="1476086153"/>
+      </p:ext>
+    </p:extLst>
+  </p:cSld>
+  <p:clrMapOvr>
+    <a:masterClrMapping/>
+  </p:clrMapOvr>
+</p:sld>
+</file>
+
+<file path=ppt/slides/slide15.xml><?xml version="1.0" encoding="utf-8"?>
+<p:sld xmlns:a="http://schemas.openxmlformats.org/drawingml/2006/main" xmlns:r="http://schemas.openxmlformats.org/officeDocument/2006/relationships" xmlns:p="http://schemas.openxmlformats.org/presentationml/2006/main">
+  <p:cSld>
+    <p:spTree>
+      <p:nvGrpSpPr>
+        <p:cNvPr id="1" name=""/>
+        <p:cNvGrpSpPr/>
+        <p:nvPr/>
+      </p:nvGrpSpPr>
+      <p:grpSpPr>
+        <a:xfrm>
+          <a:off x="0" y="0"/>
+          <a:ext cx="0" cy="0"/>
+          <a:chOff x="0" y="0"/>
+          <a:chExt cx="0" cy="0"/>
+        </a:xfrm>
+      </p:grpSpPr>
+      <p:sp>
+        <p:nvSpPr>
+          <p:cNvPr id="2" name="Title 1">
+            <a:extLst>
+              <a:ext uri="{FF2B5EF4-FFF2-40B4-BE49-F238E27FC236}">
+                <a16:creationId xmlns:a16="http://schemas.microsoft.com/office/drawing/2014/main" id="{73953A01-3E9A-20E7-4C12-49FFF6EF4A0C}"/>
+              </a:ext>
+            </a:extLst>
+          </p:cNvPr>
+          <p:cNvSpPr>
+            <a:spLocks noGrp="1"/>
+          </p:cNvSpPr>
+          <p:nvPr>
+            <p:ph type="title"/>
+          </p:nvPr>
+        </p:nvSpPr>
+        <p:spPr/>
+        <p:txBody>
+          <a:bodyPr/>
+          <a:lstStyle/>
+          <a:p>
+            <a:r>
+              <a:rPr lang="en-US" dirty="0"/>
+              <a:t>Ongoing work</a:t>
+            </a:r>
+          </a:p>
+        </p:txBody>
+      </p:sp>
+      <p:sp>
+        <p:nvSpPr>
+          <p:cNvPr id="3" name="Content Placeholder 2">
+            <a:extLst>
+              <a:ext uri="{FF2B5EF4-FFF2-40B4-BE49-F238E27FC236}">
+                <a16:creationId xmlns:a16="http://schemas.microsoft.com/office/drawing/2014/main" id="{15E61FFF-E019-E14C-FEFB-29B86C79121C}"/>
+              </a:ext>
+            </a:extLst>
+          </p:cNvPr>
+          <p:cNvSpPr>
+            <a:spLocks noGrp="1"/>
+          </p:cNvSpPr>
+          <p:nvPr>
+            <p:ph idx="1"/>
+          </p:nvPr>
+        </p:nvSpPr>
+        <p:spPr/>
+        <p:txBody>
+          <a:bodyPr>
+            <a:normAutofit fontScale="92500" lnSpcReduction="10000"/>
+          </a:bodyPr>
+          <a:lstStyle/>
+          <a:p>
+            <a:r>
+              <a:rPr lang="en-US" dirty="0"/>
+              <a:t>User Interface Design</a:t>
+            </a:r>
+          </a:p>
+          <a:p>
+            <a:pPr lvl="1"/>
+            <a:r>
+              <a:rPr lang="en-US" dirty="0"/>
+              <a:t>Developing a no-code environment which visualizes documents and labels (topics)</a:t>
+            </a:r>
+          </a:p>
+          <a:p>
+            <a:endParaRPr lang="en-US" dirty="0"/>
+          </a:p>
+          <a:p>
+            <a:r>
+              <a:rPr lang="en-US" dirty="0"/>
+              <a:t>Centroid calculation: </a:t>
+            </a:r>
+          </a:p>
+          <a:p>
+            <a:pPr lvl="1"/>
+            <a:r>
+              <a:rPr lang="en-US" dirty="0"/>
+              <a:t>Currently only one document embedding is being used as a centroid</a:t>
+            </a:r>
+          </a:p>
+          <a:p>
+            <a:pPr lvl="1"/>
+            <a:r>
+              <a:rPr lang="en-US" dirty="0"/>
+              <a:t>Integrating multiple embeddings is a current statistical challenge</a:t>
+            </a:r>
+          </a:p>
+          <a:p>
+            <a:pPr marL="457200" lvl="1" indent="0">
+              <a:buNone/>
+            </a:pPr>
+            <a:endParaRPr lang="en-US" dirty="0"/>
+          </a:p>
+          <a:p>
+            <a:r>
+              <a:rPr lang="en-US" dirty="0"/>
+              <a:t>More advanced similarity metrics</a:t>
+            </a:r>
+          </a:p>
+          <a:p>
+            <a:pPr lvl="1"/>
+            <a:r>
+              <a:rPr lang="en-US" dirty="0"/>
+              <a:t>Document relevance to a question is calculated with a simple dot product</a:t>
+            </a:r>
+          </a:p>
+          <a:p>
+            <a:pPr lvl="1"/>
+            <a:r>
+              <a:rPr lang="en-US" dirty="0"/>
+              <a:t>More advanced methods for this calculation can be drawn from the literature on Retrieval Augmented Generation (RAG)</a:t>
+            </a:r>
+          </a:p>
+        </p:txBody>
+      </p:sp>
+      <p:sp>
+        <p:nvSpPr>
+          <p:cNvPr id="4" name="Slide Number Placeholder 3">
+            <a:extLst>
+              <a:ext uri="{FF2B5EF4-FFF2-40B4-BE49-F238E27FC236}">
+                <a16:creationId xmlns:a16="http://schemas.microsoft.com/office/drawing/2014/main" id="{DC007B85-CCFF-E517-E6C4-BF9F00695EEF}"/>
+              </a:ext>
+            </a:extLst>
+          </p:cNvPr>
+          <p:cNvSpPr>
+            <a:spLocks noGrp="1"/>
+          </p:cNvSpPr>
+          <p:nvPr>
+            <p:ph type="sldNum" sz="quarter" idx="12"/>
+          </p:nvPr>
+        </p:nvSpPr>
+        <p:spPr/>
+        <p:txBody>
+          <a:bodyPr/>
+          <a:lstStyle/>
+          <a:p>
+            <a:fld id="{1B151217-4470-7047-AEFC-1D2950B14D98}" type="slidenum">
+              <a:rPr lang="en-US" smtClean="0"/>
+              <a:t>15</a:t>
+            </a:fld>
+            <a:endParaRPr lang="en-US"/>
+          </a:p>
+        </p:txBody>
+      </p:sp>
+    </p:spTree>
+    <p:extLst>
+      <p:ext uri="{BB962C8B-B14F-4D97-AF65-F5344CB8AC3E}">
+        <p14:creationId xmlns:p14="http://schemas.microsoft.com/office/powerpoint/2010/main" val="1231927939"/>
+      </p:ext>
+    </p:extLst>
+  </p:cSld>
+  <p:clrMapOvr>
+    <a:masterClrMapping/>
+  </p:clrMapOvr>
+</p:sld>
+</file>
+
+<file path=ppt/slides/slide16.xml><?xml version="1.0" encoding="utf-8"?>
+<p:sld xmlns:a="http://schemas.openxmlformats.org/drawingml/2006/main" xmlns:r="http://schemas.openxmlformats.org/officeDocument/2006/relationships" xmlns:p="http://schemas.openxmlformats.org/presentationml/2006/main">
+  <p:cSld>
+    <p:spTree>
+      <p:nvGrpSpPr>
+        <p:cNvPr id="1" name=""/>
+        <p:cNvGrpSpPr/>
+        <p:nvPr/>
+      </p:nvGrpSpPr>
+      <p:grpSpPr>
+        <a:xfrm>
+          <a:off x="0" y="0"/>
+          <a:ext cx="0" cy="0"/>
+          <a:chOff x="0" y="0"/>
+          <a:chExt cx="0" cy="0"/>
+        </a:xfrm>
+      </p:grpSpPr>
+      <p:sp>
+        <p:nvSpPr>
+          <p:cNvPr id="2" name="Title 1">
+            <a:extLst>
+              <a:ext uri="{FF2B5EF4-FFF2-40B4-BE49-F238E27FC236}">
+                <a16:creationId xmlns:a16="http://schemas.microsoft.com/office/drawing/2014/main" id="{F049B48C-07AF-0B86-9BE7-98B0F9EF5D04}"/>
+              </a:ext>
+            </a:extLst>
+          </p:cNvPr>
+          <p:cNvSpPr>
+            <a:spLocks noGrp="1"/>
+          </p:cNvSpPr>
+          <p:nvPr>
+            <p:ph type="title"/>
+          </p:nvPr>
+        </p:nvSpPr>
+        <p:spPr/>
+        <p:txBody>
+          <a:bodyPr/>
+          <a:lstStyle/>
+          <a:p>
+            <a:r>
+              <a:rPr lang="en-US" dirty="0"/>
               <a:t>Thank you for your attention!</a:t>
             </a:r>
           </a:p>
@@ -5131,7 +5964,7 @@
           <a:p>
             <a:fld id="{1B151217-4470-7047-AEFC-1D2950B14D98}" type="slidenum">
               <a:rPr lang="en-US" smtClean="0"/>
-              <a:t>14</a:t>
+              <a:t>16</a:t>
             </a:fld>
             <a:endParaRPr lang="en-US"/>
           </a:p>
@@ -5150,7 +5983,7 @@
 </p:sld>
 </file>
 
-<file path=ppt/slides/slide15.xml><?xml version="1.0" encoding="utf-8"?>
+<file path=ppt/slides/slide17.xml><?xml version="1.0" encoding="utf-8"?>
 <p:sld xmlns:a="http://schemas.openxmlformats.org/drawingml/2006/main" xmlns:r="http://schemas.openxmlformats.org/officeDocument/2006/relationships" xmlns:p="http://schemas.openxmlformats.org/presentationml/2006/main">
   <p:cSld>
     <p:spTree>
@@ -5478,7 +6311,7 @@
           <a:p>
             <a:fld id="{1B151217-4470-7047-AEFC-1D2950B14D98}" type="slidenum">
               <a:rPr lang="en-US" smtClean="0"/>
-              <a:t>15</a:t>
+              <a:t>17</a:t>
             </a:fld>
             <a:endParaRPr lang="en-US"/>
           </a:p>
@@ -5497,7 +6330,7 @@
 </p:sld>
 </file>
 
-<file path=ppt/slides/slide16.xml><?xml version="1.0" encoding="utf-8"?>
+<file path=ppt/slides/slide18.xml><?xml version="1.0" encoding="utf-8"?>
 <p:sld xmlns:a="http://schemas.openxmlformats.org/drawingml/2006/main" xmlns:r="http://schemas.openxmlformats.org/officeDocument/2006/relationships" xmlns:p="http://schemas.openxmlformats.org/presentationml/2006/main">
   <p:cSld>
     <p:spTree>
@@ -5848,7 +6681,7 @@
           <a:p>
             <a:fld id="{1B151217-4470-7047-AEFC-1D2950B14D98}" type="slidenum">
               <a:rPr lang="en-US" smtClean="0"/>
-              <a:t>16</a:t>
+              <a:t>18</a:t>
             </a:fld>
             <a:endParaRPr lang="en-US"/>
           </a:p>
@@ -7184,35 +8017,6 @@
           <a:chExt cx="0" cy="0"/>
         </a:xfrm>
       </p:grpSpPr>
-      <p:pic>
-        <p:nvPicPr>
-          <p:cNvPr id="7" name="Picture 6" descr="A graph of colored lines&#10;&#10;Description automatically generated">
-            <a:extLst>
-              <a:ext uri="{FF2B5EF4-FFF2-40B4-BE49-F238E27FC236}">
-                <a16:creationId xmlns:a16="http://schemas.microsoft.com/office/drawing/2014/main" id="{6646DB6D-9BDE-9B4F-EF3E-E13CD58B9F90}"/>
-              </a:ext>
-            </a:extLst>
-          </p:cNvPr>
-          <p:cNvPicPr>
-            <a:picLocks noChangeAspect="1"/>
-          </p:cNvPicPr>
-          <p:nvPr/>
-        </p:nvPicPr>
-        <p:blipFill rotWithShape="1">
-          <a:blip r:embed="rId2"/>
-          <a:srcRect l="5610" t="64333" r="13239" b="15657"/>
-          <a:stretch/>
-        </p:blipFill>
-        <p:spPr>
-          <a:xfrm>
-            <a:off x="0" y="4720999"/>
-            <a:ext cx="12191999" cy="2137001"/>
-          </a:xfrm>
-          <a:prstGeom prst="rect">
-            <a:avLst/>
-          </a:prstGeom>
-        </p:spPr>
-      </p:pic>
       <p:grpSp>
         <p:nvGrpSpPr>
           <p:cNvPr id="11" name="Group 10">
@@ -7227,10 +8031,10 @@
         </p:nvGrpSpPr>
         <p:grpSpPr>
           <a:xfrm>
-            <a:off x="0" y="0"/>
-            <a:ext cx="12191999" cy="4392559"/>
-            <a:chOff x="19666" y="365125"/>
-            <a:chExt cx="9692147" cy="4256034"/>
+            <a:off x="-5466" y="0"/>
+            <a:ext cx="12197465" cy="4392559"/>
+            <a:chOff x="15321" y="365125"/>
+            <a:chExt cx="9696492" cy="4256034"/>
           </a:xfrm>
         </p:grpSpPr>
         <p:pic>
@@ -7311,7 +8115,7 @@
           </p:nvSpPr>
           <p:spPr>
             <a:xfrm rot="16200000">
-              <a:off x="-541680" y="2252034"/>
+              <a:off x="-546025" y="2270861"/>
               <a:ext cx="1492023" cy="369332"/>
             </a:xfrm>
             <a:prstGeom prst="rect">
@@ -7347,7 +8151,7 @@
         </p:nvSpPr>
         <p:spPr>
           <a:xfrm>
-            <a:off x="1093851" y="4392559"/>
+            <a:off x="708081" y="4392559"/>
             <a:ext cx="1849790" cy="369332"/>
           </a:xfrm>
           <a:prstGeom prst="rect">
@@ -7397,6 +8201,35 @@
           </a:p>
         </p:txBody>
       </p:sp>
+      <p:pic>
+        <p:nvPicPr>
+          <p:cNvPr id="3" name="Picture 2" descr="A close up of a text&#10;&#10;Description automatically generated">
+            <a:extLst>
+              <a:ext uri="{FF2B5EF4-FFF2-40B4-BE49-F238E27FC236}">
+                <a16:creationId xmlns:a16="http://schemas.microsoft.com/office/drawing/2014/main" id="{C8E0C728-8073-DD4E-7DB9-B552080E25A9}"/>
+              </a:ext>
+            </a:extLst>
+          </p:cNvPr>
+          <p:cNvPicPr>
+            <a:picLocks noChangeAspect="1"/>
+          </p:cNvPicPr>
+          <p:nvPr/>
+        </p:nvPicPr>
+        <p:blipFill rotWithShape="1">
+          <a:blip r:embed="rId3"/>
+          <a:srcRect r="19183"/>
+          <a:stretch/>
+        </p:blipFill>
+        <p:spPr>
+          <a:xfrm>
+            <a:off x="136048" y="4700542"/>
+            <a:ext cx="11734801" cy="2157458"/>
+          </a:xfrm>
+          <a:prstGeom prst="rect">
+            <a:avLst/>
+          </a:prstGeom>
+        </p:spPr>
+      </p:pic>
     </p:spTree>
     <p:extLst>
       <p:ext uri="{BB962C8B-B14F-4D97-AF65-F5344CB8AC3E}">
@@ -7450,13 +8283,8 @@
           <a:p>
             <a:r>
               <a:rPr lang="en-US" dirty="0"/>
-              <a:t>Previous algorithms: </a:t>
-            </a:r>
-            <a:r>
-              <a:rPr lang="en-US" dirty="0" err="1"/>
-              <a:t>BERTopic</a:t>
-            </a:r>
-            <a:endParaRPr lang="en-US" dirty="0"/>
+              <a:t>Previous algorithms: BERTopic</a:t>
+            </a:r>
           </a:p>
         </p:txBody>
       </p:sp>
@@ -7679,12 +8507,8 @@
           <a:p>
             <a:pPr lvl="1"/>
             <a:r>
-              <a:rPr lang="en-US" dirty="0" err="1"/>
-              <a:t>BERTopic</a:t>
-            </a:r>
-            <a:r>
               <a:rPr lang="en-US" dirty="0"/>
-              <a:t> allows more flexibility (hyperparameter sensitivity)</a:t>
+              <a:t>BERTopic allows more flexibility (hyperparameter sensitivity)</a:t>
             </a:r>
           </a:p>
           <a:p>
@@ -7892,15 +8716,7 @@
             </a:pPr>
             <a:r>
               <a:rPr lang="en-US" dirty="0"/>
-              <a:t>All documents are embedded (as in </a:t>
-            </a:r>
-            <a:r>
-              <a:rPr lang="en-US" dirty="0" err="1"/>
-              <a:t>BERTopic</a:t>
-            </a:r>
-            <a:r>
-              <a:rPr lang="en-US" dirty="0"/>
-              <a:t>). For each question, collect semantically most similar document from the corpus.</a:t>
+              <a:t>All documents are embedded (as in BERTopic). For each question, collect semantically most similar document from the corpus.</a:t>
             </a:r>
           </a:p>
           <a:p>

--- a/GuidedTopicModelBostonDH2024.pptx
+++ b/GuidedTopicModelBostonDH2024.pptx
@@ -5966,7 +5966,72 @@
               <a:rPr lang="en-US" smtClean="0"/>
               <a:t>16</a:t>
             </a:fld>
-            <a:endParaRPr lang="en-US"/>
+            <a:endParaRPr lang="en-US" dirty="0"/>
+          </a:p>
+        </p:txBody>
+      </p:sp>
+      <p:pic>
+        <p:nvPicPr>
+          <p:cNvPr id="6" name="Picture 5" descr="A qr code on a white background&#10;&#10;Description automatically generated">
+            <a:extLst>
+              <a:ext uri="{FF2B5EF4-FFF2-40B4-BE49-F238E27FC236}">
+                <a16:creationId xmlns:a16="http://schemas.microsoft.com/office/drawing/2014/main" id="{9BC8BD2D-DDBC-5629-DFE1-1D57C42D9397}"/>
+              </a:ext>
+            </a:extLst>
+          </p:cNvPr>
+          <p:cNvPicPr>
+            <a:picLocks noChangeAspect="1"/>
+          </p:cNvPicPr>
+          <p:nvPr/>
+        </p:nvPicPr>
+        <p:blipFill>
+          <a:blip r:embed="rId3"/>
+          <a:stretch>
+            <a:fillRect/>
+          </a:stretch>
+        </p:blipFill>
+        <p:spPr>
+          <a:xfrm>
+            <a:off x="9359900" y="357188"/>
+            <a:ext cx="2159000" cy="2171700"/>
+          </a:xfrm>
+          <a:prstGeom prst="rect">
+            <a:avLst/>
+          </a:prstGeom>
+        </p:spPr>
+      </p:pic>
+      <p:sp>
+        <p:nvSpPr>
+          <p:cNvPr id="7" name="TextBox 6">
+            <a:extLst>
+              <a:ext uri="{FF2B5EF4-FFF2-40B4-BE49-F238E27FC236}">
+                <a16:creationId xmlns:a16="http://schemas.microsoft.com/office/drawing/2014/main" id="{769BB5D9-0564-C951-37A1-07684FE86D8D}"/>
+              </a:ext>
+            </a:extLst>
+          </p:cNvPr>
+          <p:cNvSpPr txBox="1"/>
+          <p:nvPr/>
+        </p:nvSpPr>
+        <p:spPr>
+          <a:xfrm>
+            <a:off x="9533618" y="2472422"/>
+            <a:ext cx="1811564" cy="646331"/>
+          </a:xfrm>
+          <a:prstGeom prst="rect">
+            <a:avLst/>
+          </a:prstGeom>
+          <a:noFill/>
+        </p:spPr>
+        <p:txBody>
+          <a:bodyPr wrap="square" rtlCol="0">
+            <a:spAutoFit/>
+          </a:bodyPr>
+          <a:lstStyle/>
+          <a:p>
+            <a:r>
+              <a:rPr lang="en-US" dirty="0"/>
+              <a:t>Scan to see our GitHub repo!</a:t>
+            </a:r>
           </a:p>
         </p:txBody>
       </p:sp>
